--- a/Manual/PlayerControlForBIGTET_QuickReference_v0.3.4.pptx
+++ b/Manual/PlayerControlForBIGTET_QuickReference_v0.3.4.pptx
@@ -3424,6 +3424,13 @@
           <a:prstGeom prst="rect">
             <a:avLst/>
           </a:prstGeom>
+          <a:effectLst>
+            <a:outerShdw blurRad="50800" dir="2700000" algn="tl" rotWithShape="0">
+              <a:prstClr val="black">
+                <a:alpha val="60000"/>
+              </a:prstClr>
+            </a:outerShdw>
+          </a:effectLst>
         </p:spPr>
       </p:pic>
       <p:grpSp>
@@ -3642,7 +3649,7 @@
         </p:nvSpPr>
         <p:spPr>
           <a:xfrm>
-            <a:off x="1148788" y="4354772"/>
+            <a:off x="953519" y="4354772"/>
             <a:ext cx="3052050" cy="656299"/>
           </a:xfrm>
           <a:prstGeom prst="roundRect">
@@ -4898,8 +4905,8 @@
         </p:nvSpPr>
         <p:spPr>
           <a:xfrm rot="10800000" flipV="1">
-            <a:off x="5083406" y="771798"/>
-            <a:ext cx="155121" cy="283795"/>
+            <a:off x="5283434" y="765793"/>
+            <a:ext cx="155121" cy="295806"/>
           </a:xfrm>
           <a:prstGeom prst="downArrow">
             <a:avLst>
@@ -5920,7 +5927,7 @@
         </p:nvGrpSpPr>
         <p:grpSpPr>
           <a:xfrm>
-            <a:off x="1207614" y="4356559"/>
+            <a:off x="1012345" y="4356559"/>
             <a:ext cx="1312518" cy="307777"/>
             <a:chOff x="1540460" y="4606024"/>
             <a:chExt cx="1312518" cy="307777"/>
@@ -6041,7 +6048,7 @@
         </p:nvSpPr>
         <p:spPr>
           <a:xfrm>
-            <a:off x="2915311" y="4404845"/>
+            <a:off x="2720042" y="4404845"/>
             <a:ext cx="743146" cy="211203"/>
           </a:xfrm>
           <a:prstGeom prst="borderCallout1">
@@ -6049,7 +6056,7 @@
               <a:gd name="adj1" fmla="val 9730"/>
               <a:gd name="adj2" fmla="val 20152"/>
               <a:gd name="adj3" fmla="val -212061"/>
-              <a:gd name="adj4" fmla="val 39460"/>
+              <a:gd name="adj4" fmla="val 63812"/>
             </a:avLst>
           </a:prstGeom>
           <a:solidFill>
@@ -6118,15 +6125,15 @@
         </p:nvSpPr>
         <p:spPr>
           <a:xfrm>
-            <a:off x="2915311" y="4736914"/>
+            <a:off x="2720042" y="4736914"/>
             <a:ext cx="1227025" cy="211203"/>
           </a:xfrm>
           <a:prstGeom prst="borderCallout1">
             <a:avLst>
               <a:gd name="adj1" fmla="val 9730"/>
               <a:gd name="adj2" fmla="val 88192"/>
-              <a:gd name="adj3" fmla="val -305072"/>
-              <a:gd name="adj4" fmla="val 81668"/>
+              <a:gd name="adj3" fmla="val -374975"/>
+              <a:gd name="adj4" fmla="val 80892"/>
             </a:avLst>
           </a:prstGeom>
           <a:solidFill>
@@ -6838,7 +6845,7 @@
         </p:nvSpPr>
         <p:spPr>
           <a:xfrm>
-            <a:off x="1391802" y="4728476"/>
+            <a:off x="1196533" y="4728476"/>
             <a:ext cx="1283011" cy="211203"/>
           </a:xfrm>
           <a:prstGeom prst="borderCallout1">
